--- a/Project 2/Part2/CS554_EuroTeam_Project2_OP5_jul.pptx
+++ b/Project 2/Part2/CS554_EuroTeam_Project2_OP5_jul.pptx
@@ -368,7 +368,7 @@
     </p:spTree>
     <p:extLst>
       <p:ext uri="{BB962C8B-B14F-4D97-AF65-F5344CB8AC3E}">
-        <p14:creationId xmlns:a="http://schemas.openxmlformats.org/drawingml/2006/main" xmlns:r="http://schemas.openxmlformats.org/officeDocument/2006/relationships" xmlns:p="http://schemas.openxmlformats.org/presentationml/2006/main" xmlns:p14="http://schemas.microsoft.com/office/powerpoint/2007/7/12/main" xmlns="" xmlns:mv="urn:schemas-microsoft-com:mac:vml" xmlns:mc="http://schemas.openxmlformats.org/markup-compatibility/2006" val="3216856891"/>
+        <p14:creationId xmlns:mc="http://schemas.openxmlformats.org/markup-compatibility/2006" xmlns:mv="urn:schemas-microsoft-com:mac:vml" xmlns="" xmlns:p14="http://schemas.microsoft.com/office/powerpoint/2007/7/12/main" xmlns:p="http://schemas.openxmlformats.org/presentationml/2006/main" xmlns:r="http://schemas.openxmlformats.org/officeDocument/2006/relationships" xmlns:a="http://schemas.openxmlformats.org/drawingml/2006/main" val="3216856891"/>
       </p:ext>
     </p:extLst>
   </p:cSld>
@@ -673,7 +673,7 @@
     </p:spTree>
     <p:extLst>
       <p:ext uri="{BB962C8B-B14F-4D97-AF65-F5344CB8AC3E}">
-        <p14:creationId xmlns:a="http://schemas.openxmlformats.org/drawingml/2006/main" xmlns:r="http://schemas.openxmlformats.org/officeDocument/2006/relationships" xmlns:p="http://schemas.openxmlformats.org/presentationml/2006/main" xmlns:p14="http://schemas.microsoft.com/office/powerpoint/2007/7/12/main" xmlns="" xmlns:mv="urn:schemas-microsoft-com:mac:vml" xmlns:mc="http://schemas.openxmlformats.org/markup-compatibility/2006" val="3483236166"/>
+        <p14:creationId xmlns:mc="http://schemas.openxmlformats.org/markup-compatibility/2006" xmlns:mv="urn:schemas-microsoft-com:mac:vml" xmlns="" xmlns:p14="http://schemas.microsoft.com/office/powerpoint/2007/7/12/main" xmlns:p="http://schemas.openxmlformats.org/presentationml/2006/main" xmlns:r="http://schemas.openxmlformats.org/officeDocument/2006/relationships" xmlns:a="http://schemas.openxmlformats.org/drawingml/2006/main" val="3483236166"/>
       </p:ext>
     </p:extLst>
   </p:cSld>
@@ -2545,7 +2545,7 @@
           <a:blip r:embed="rId4">
             <a:extLst>
               <a:ext uri="28A0092B-C50C-407e-A947-70E740481C1C">
-                <a14:useLocalDpi xmlns:a="http://schemas.openxmlformats.org/drawingml/2006/main" xmlns:r="http://schemas.openxmlformats.org/officeDocument/2006/relationships" xmlns:p="http://schemas.openxmlformats.org/presentationml/2006/main" xmlns:a14="http://schemas.microsoft.com/office/drawing/2007/7/7/main" xmlns="" xmlns:mv="urn:schemas-microsoft-com:mac:vml" xmlns:mc="http://schemas.openxmlformats.org/markup-compatibility/2006" val="0"/>
+                <a14:useLocalDpi xmlns:mc="http://schemas.openxmlformats.org/markup-compatibility/2006" xmlns:mv="urn:schemas-microsoft-com:mac:vml" xmlns="" xmlns:a14="http://schemas.microsoft.com/office/drawing/2007/7/7/main" xmlns:p="http://schemas.openxmlformats.org/presentationml/2006/main" xmlns:r="http://schemas.openxmlformats.org/officeDocument/2006/relationships" xmlns:a="http://schemas.openxmlformats.org/drawingml/2006/main" val="0"/>
               </a:ext>
             </a:extLst>
           </a:blip>
@@ -2565,14 +2565,14 @@
           <a:noFill/>
           <a:extLst>
             <a:ext uri="{909E8E84-426E-40dd-AFC4-6F175D3DCCD1}">
-              <a14:hiddenFill xmlns:a="http://schemas.openxmlformats.org/drawingml/2006/main" xmlns:r="http://schemas.openxmlformats.org/officeDocument/2006/relationships" xmlns:p="http://schemas.openxmlformats.org/presentationml/2006/main" xmlns:a14="http://schemas.microsoft.com/office/drawing/2007/7/7/main" xmlns="" xmlns:mv="urn:schemas-microsoft-com:mac:vml" xmlns:mc="http://schemas.openxmlformats.org/markup-compatibility/2006">
+              <a14:hiddenFill xmlns:mc="http://schemas.openxmlformats.org/markup-compatibility/2006" xmlns:mv="urn:schemas-microsoft-com:mac:vml" xmlns="" xmlns:a14="http://schemas.microsoft.com/office/drawing/2007/7/7/main" xmlns:p="http://schemas.openxmlformats.org/presentationml/2006/main" xmlns:r="http://schemas.openxmlformats.org/officeDocument/2006/relationships" xmlns:a="http://schemas.openxmlformats.org/drawingml/2006/main">
                 <a:solidFill>
                   <a:schemeClr val="accent1"/>
                 </a:solidFill>
               </a14:hiddenFill>
             </a:ext>
             <a:ext uri="{91240B29-F687-4f45-9708-019B960494DF}">
-              <a14:hiddenLine xmlns:a="http://schemas.openxmlformats.org/drawingml/2006/main" xmlns:r="http://schemas.openxmlformats.org/officeDocument/2006/relationships" xmlns:p="http://schemas.openxmlformats.org/presentationml/2006/main" xmlns:a14="http://schemas.microsoft.com/office/drawing/2007/7/7/main" xmlns="" xmlns:mv="urn:schemas-microsoft-com:mac:vml" xmlns:mc="http://schemas.openxmlformats.org/markup-compatibility/2006" w="9525">
+              <a14:hiddenLine xmlns:mc="http://schemas.openxmlformats.org/markup-compatibility/2006" xmlns:mv="urn:schemas-microsoft-com:mac:vml" xmlns="" xmlns:a14="http://schemas.microsoft.com/office/drawing/2007/7/7/main" xmlns:p="http://schemas.openxmlformats.org/presentationml/2006/main" xmlns:r="http://schemas.openxmlformats.org/officeDocument/2006/relationships" xmlns:a="http://schemas.openxmlformats.org/drawingml/2006/main" w="9525">
                 <a:solidFill>
                   <a:schemeClr val="tx1"/>
                 </a:solidFill>
@@ -2582,7 +2582,7 @@
               </a14:hiddenLine>
             </a:ext>
             <a:ext uri="{AF507438-7753-43e0-B8FC-AC1667EBCBE1}">
-              <a14:hiddenEffects xmlns:a="http://schemas.openxmlformats.org/drawingml/2006/main" xmlns:r="http://schemas.openxmlformats.org/officeDocument/2006/relationships" xmlns:p="http://schemas.openxmlformats.org/presentationml/2006/main" xmlns:a14="http://schemas.microsoft.com/office/drawing/2007/7/7/main" xmlns="" xmlns:mv="urn:schemas-microsoft-com:mac:vml" xmlns:mc="http://schemas.openxmlformats.org/markup-compatibility/2006">
+              <a14:hiddenEffects xmlns:mc="http://schemas.openxmlformats.org/markup-compatibility/2006" xmlns:mv="urn:schemas-microsoft-com:mac:vml" xmlns="" xmlns:a14="http://schemas.microsoft.com/office/drawing/2007/7/7/main" xmlns:p="http://schemas.openxmlformats.org/presentationml/2006/main" xmlns:r="http://schemas.openxmlformats.org/officeDocument/2006/relationships" xmlns:a="http://schemas.openxmlformats.org/drawingml/2006/main">
                 <a:effectLst>
                   <a:outerShdw dist="35921" dir="2700000" algn="ctr" rotWithShape="0">
                     <a:schemeClr val="bg2"/>
@@ -2596,7 +2596,7 @@
     </p:spTree>
     <p:extLst>
       <p:ext uri="{BB962C8B-B14F-4D97-AF65-F5344CB8AC3E}">
-        <p14:creationId xmlns:a="http://schemas.openxmlformats.org/drawingml/2006/main" xmlns:r="http://schemas.openxmlformats.org/officeDocument/2006/relationships" xmlns:p="http://schemas.openxmlformats.org/presentationml/2006/main" xmlns:p14="http://schemas.microsoft.com/office/powerpoint/2007/7/12/main" xmlns="" xmlns:mv="urn:schemas-microsoft-com:mac:vml" xmlns:mc="http://schemas.openxmlformats.org/markup-compatibility/2006" val="1066328049"/>
+        <p14:creationId xmlns:mc="http://schemas.openxmlformats.org/markup-compatibility/2006" xmlns:mv="urn:schemas-microsoft-com:mac:vml" xmlns="" xmlns:p14="http://schemas.microsoft.com/office/powerpoint/2007/7/12/main" xmlns:p="http://schemas.openxmlformats.org/presentationml/2006/main" xmlns:r="http://schemas.openxmlformats.org/officeDocument/2006/relationships" xmlns:a="http://schemas.openxmlformats.org/drawingml/2006/main" val="1066328049"/>
       </p:ext>
     </p:extLst>
   </p:cSld>
@@ -12515,7 +12515,7 @@
     </p:spTree>
     <p:extLst>
       <p:ext uri="{BB962C8B-B14F-4D97-AF65-F5344CB8AC3E}">
-        <p14:creationId xmlns:a="http://schemas.openxmlformats.org/drawingml/2006/main" xmlns:r="http://schemas.openxmlformats.org/officeDocument/2006/relationships" xmlns:p="http://schemas.openxmlformats.org/presentationml/2006/main" xmlns="" xmlns:p14="http://schemas.microsoft.com/office/powerpoint/2007/7/12/main" xmlns:mv="urn:schemas-microsoft-com:mac:vml" xmlns:mc="http://schemas.openxmlformats.org/markup-compatibility/2006" val="3707259682"/>
+        <p14:creationId xmlns:mc="http://schemas.openxmlformats.org/markup-compatibility/2006" xmlns:mv="urn:schemas-microsoft-com:mac:vml" xmlns:p14="http://schemas.microsoft.com/office/powerpoint/2007/7/12/main" xmlns="" xmlns:p="http://schemas.openxmlformats.org/presentationml/2006/main" xmlns:r="http://schemas.openxmlformats.org/officeDocument/2006/relationships" xmlns:a="http://schemas.openxmlformats.org/drawingml/2006/main" val="3707259682"/>
       </p:ext>
     </p:extLst>
   </p:cSld>
@@ -12617,8 +12617,25 @@
           <a:lstStyle/>
           <a:p>
             <a:r>
+              <a:rPr lang="en-US" smtClean="0"/>
+              <a:t>An ADL is a language for modeling a software system’s conceptual architecture, distinguished from the system’s implementation</a:t>
+            </a:r>
+          </a:p>
+          <a:p>
+            <a:endParaRPr lang="en-US" smtClean="0"/>
+          </a:p>
+          <a:p>
+            <a:r>
+              <a:rPr lang="en-US" dirty="0" err="1" smtClean="0"/>
+              <a:t>ADLs</a:t>
+            </a:r>
+            <a:r>
               <a:rPr lang="en-US" dirty="0" smtClean="0"/>
-              <a:t>ADLs bring the tools for architecture evolution and reusability</a:t>
+              <a:t> </a:t>
+            </a:r>
+            <a:r>
+              <a:rPr lang="en-US" dirty="0" smtClean="0"/>
+              <a:t>bring the tools for architecture evolution and reusability</a:t>
             </a:r>
           </a:p>
           <a:p>
